--- a/paper/PPT for Project.pptx
+++ b/paper/PPT for Project.pptx
@@ -4,6 +4,9 @@
   <p:sldMasterIdLst>
     <p:sldMasterId id="2147483648" r:id="rId1"/>
   </p:sldMasterIdLst>
+  <p:notesMasterIdLst>
+    <p:notesMasterId r:id="rId18"/>
+  </p:notesMasterIdLst>
   <p:sldIdLst>
     <p:sldId id="256" r:id="rId2"/>
     <p:sldId id="257" r:id="rId3"/>
@@ -127,6 +130,355 @@
 </p:presentation>
 </file>
 
+<file path=ppt/notesMasters/notesMaster1.xml><?xml version="1.0" encoding="utf-8"?>
+<p:notesMaster xmlns:a="http://schemas.openxmlformats.org/drawingml/2006/main" xmlns:r="http://schemas.openxmlformats.org/officeDocument/2006/relationships" xmlns:p="http://schemas.openxmlformats.org/presentationml/2006/main">
+  <p:cSld>
+    <p:bg>
+      <p:bgRef idx="1001">
+        <a:schemeClr val="bg1"/>
+      </p:bgRef>
+    </p:bg>
+    <p:spTree>
+      <p:nvGrpSpPr>
+        <p:cNvPr id="1" name=""/>
+        <p:cNvGrpSpPr/>
+        <p:nvPr/>
+      </p:nvGrpSpPr>
+      <p:grpSpPr>
+        <a:xfrm>
+          <a:off x="0" y="0"/>
+          <a:ext cx="0" cy="0"/>
+          <a:chOff x="0" y="0"/>
+          <a:chExt cx="0" cy="0"/>
+        </a:xfrm>
+      </p:grpSpPr>
+      <p:sp>
+        <p:nvSpPr>
+          <p:cNvPr id="2" name="머리글 개체 틀 1"/>
+          <p:cNvSpPr>
+            <a:spLocks noGrp="1"/>
+          </p:cNvSpPr>
+          <p:nvPr>
+            <p:ph type="hdr" sz="quarter"/>
+          </p:nvPr>
+        </p:nvSpPr>
+        <p:spPr>
+          <a:xfrm>
+            <a:off x="0" y="0"/>
+            <a:ext cx="2971800" cy="458788"/>
+          </a:xfrm>
+          <a:prstGeom prst="rect">
+            <a:avLst/>
+          </a:prstGeom>
+        </p:spPr>
+        <p:txBody>
+          <a:bodyPr vert="horz" lIns="91440" tIns="45720" rIns="91440" bIns="45720" rtlCol="0"/>
+          <a:lstStyle>
+            <a:lvl1pPr algn="l">
+              <a:defRPr sz="1200"/>
+            </a:lvl1pPr>
+          </a:lstStyle>
+          <a:p>
+            <a:endParaRPr lang="ko-KR" altLang="en-US"/>
+          </a:p>
+        </p:txBody>
+      </p:sp>
+      <p:sp>
+        <p:nvSpPr>
+          <p:cNvPr id="3" name="날짜 개체 틀 2"/>
+          <p:cNvSpPr>
+            <a:spLocks noGrp="1"/>
+          </p:cNvSpPr>
+          <p:nvPr>
+            <p:ph type="dt" idx="1"/>
+          </p:nvPr>
+        </p:nvSpPr>
+        <p:spPr>
+          <a:xfrm>
+            <a:off x="3884613" y="0"/>
+            <a:ext cx="2971800" cy="458788"/>
+          </a:xfrm>
+          <a:prstGeom prst="rect">
+            <a:avLst/>
+          </a:prstGeom>
+        </p:spPr>
+        <p:txBody>
+          <a:bodyPr vert="horz" lIns="91440" tIns="45720" rIns="91440" bIns="45720" rtlCol="0"/>
+          <a:lstStyle>
+            <a:lvl1pPr algn="r">
+              <a:defRPr sz="1200"/>
+            </a:lvl1pPr>
+          </a:lstStyle>
+          <a:p>
+            <a:fld id="{17D880FA-A1C7-4E8B-9456-64186E738D3E}" type="datetimeFigureOut">
+              <a:rPr lang="ko-KR" altLang="en-US" smtClean="0"/>
+              <a:t>2020-04-20</a:t>
+            </a:fld>
+            <a:endParaRPr lang="ko-KR" altLang="en-US"/>
+          </a:p>
+        </p:txBody>
+      </p:sp>
+      <p:sp>
+        <p:nvSpPr>
+          <p:cNvPr id="4" name="슬라이드 이미지 개체 틀 3"/>
+          <p:cNvSpPr>
+            <a:spLocks noGrp="1" noRot="1" noChangeAspect="1"/>
+          </p:cNvSpPr>
+          <p:nvPr>
+            <p:ph type="sldImg" idx="2"/>
+          </p:nvPr>
+        </p:nvSpPr>
+        <p:spPr>
+          <a:xfrm>
+            <a:off x="685800" y="1143000"/>
+            <a:ext cx="5486400" cy="3086100"/>
+          </a:xfrm>
+          <a:prstGeom prst="rect">
+            <a:avLst/>
+          </a:prstGeom>
+          <a:noFill/>
+          <a:ln w="12700">
+            <a:solidFill>
+              <a:prstClr val="black"/>
+            </a:solidFill>
+          </a:ln>
+        </p:spPr>
+        <p:txBody>
+          <a:bodyPr vert="horz" lIns="91440" tIns="45720" rIns="91440" bIns="45720" rtlCol="0" anchor="ctr"/>
+          <a:lstStyle/>
+          <a:p>
+            <a:endParaRPr lang="ko-KR" altLang="en-US"/>
+          </a:p>
+        </p:txBody>
+      </p:sp>
+      <p:sp>
+        <p:nvSpPr>
+          <p:cNvPr id="5" name="슬라이드 노트 개체 틀 4"/>
+          <p:cNvSpPr>
+            <a:spLocks noGrp="1"/>
+          </p:cNvSpPr>
+          <p:nvPr>
+            <p:ph type="body" sz="quarter" idx="3"/>
+          </p:nvPr>
+        </p:nvSpPr>
+        <p:spPr>
+          <a:xfrm>
+            <a:off x="685800" y="4400550"/>
+            <a:ext cx="5486400" cy="3600450"/>
+          </a:xfrm>
+          <a:prstGeom prst="rect">
+            <a:avLst/>
+          </a:prstGeom>
+        </p:spPr>
+        <p:txBody>
+          <a:bodyPr vert="horz" lIns="91440" tIns="45720" rIns="91440" bIns="45720" rtlCol="0"/>
+          <a:lstStyle/>
+          <a:p>
+            <a:pPr lvl="0"/>
+            <a:r>
+              <a:rPr lang="ko-KR" altLang="en-US"/>
+              <a:t>마스터 텍스트 스타일을 편집하려면 클릭</a:t>
+            </a:r>
+          </a:p>
+          <a:p>
+            <a:pPr lvl="1"/>
+            <a:r>
+              <a:rPr lang="ko-KR" altLang="en-US"/>
+              <a:t>두 번째 수준</a:t>
+            </a:r>
+          </a:p>
+          <a:p>
+            <a:pPr lvl="2"/>
+            <a:r>
+              <a:rPr lang="ko-KR" altLang="en-US"/>
+              <a:t>세 번째 수준</a:t>
+            </a:r>
+          </a:p>
+          <a:p>
+            <a:pPr lvl="3"/>
+            <a:r>
+              <a:rPr lang="ko-KR" altLang="en-US"/>
+              <a:t>네 번째 수준</a:t>
+            </a:r>
+          </a:p>
+          <a:p>
+            <a:pPr lvl="4"/>
+            <a:r>
+              <a:rPr lang="ko-KR" altLang="en-US"/>
+              <a:t>다섯 번째 수준</a:t>
+            </a:r>
+          </a:p>
+        </p:txBody>
+      </p:sp>
+      <p:sp>
+        <p:nvSpPr>
+          <p:cNvPr id="6" name="바닥글 개체 틀 5"/>
+          <p:cNvSpPr>
+            <a:spLocks noGrp="1"/>
+          </p:cNvSpPr>
+          <p:nvPr>
+            <p:ph type="ftr" sz="quarter" idx="4"/>
+          </p:nvPr>
+        </p:nvSpPr>
+        <p:spPr>
+          <a:xfrm>
+            <a:off x="0" y="8685213"/>
+            <a:ext cx="2971800" cy="458787"/>
+          </a:xfrm>
+          <a:prstGeom prst="rect">
+            <a:avLst/>
+          </a:prstGeom>
+        </p:spPr>
+        <p:txBody>
+          <a:bodyPr vert="horz" lIns="91440" tIns="45720" rIns="91440" bIns="45720" rtlCol="0" anchor="b"/>
+          <a:lstStyle>
+            <a:lvl1pPr algn="l">
+              <a:defRPr sz="1200"/>
+            </a:lvl1pPr>
+          </a:lstStyle>
+          <a:p>
+            <a:endParaRPr lang="ko-KR" altLang="en-US"/>
+          </a:p>
+        </p:txBody>
+      </p:sp>
+      <p:sp>
+        <p:nvSpPr>
+          <p:cNvPr id="7" name="슬라이드 번호 개체 틀 6"/>
+          <p:cNvSpPr>
+            <a:spLocks noGrp="1"/>
+          </p:cNvSpPr>
+          <p:nvPr>
+            <p:ph type="sldNum" sz="quarter" idx="5"/>
+          </p:nvPr>
+        </p:nvSpPr>
+        <p:spPr>
+          <a:xfrm>
+            <a:off x="3884613" y="8685213"/>
+            <a:ext cx="2971800" cy="458787"/>
+          </a:xfrm>
+          <a:prstGeom prst="rect">
+            <a:avLst/>
+          </a:prstGeom>
+        </p:spPr>
+        <p:txBody>
+          <a:bodyPr vert="horz" lIns="91440" tIns="45720" rIns="91440" bIns="45720" rtlCol="0" anchor="b"/>
+          <a:lstStyle>
+            <a:lvl1pPr algn="r">
+              <a:defRPr sz="1200"/>
+            </a:lvl1pPr>
+          </a:lstStyle>
+          <a:p>
+            <a:fld id="{3CAD5ECE-E4BC-4663-A7DA-F18A05D26574}" type="slidenum">
+              <a:rPr lang="ko-KR" altLang="en-US" smtClean="0"/>
+              <a:t>‹#›</a:t>
+            </a:fld>
+            <a:endParaRPr lang="ko-KR" altLang="en-US"/>
+          </a:p>
+        </p:txBody>
+      </p:sp>
+    </p:spTree>
+    <p:extLst>
+      <p:ext uri="{BB962C8B-B14F-4D97-AF65-F5344CB8AC3E}">
+        <p14:creationId xmlns:p14="http://schemas.microsoft.com/office/powerpoint/2010/main" val="614274385"/>
+      </p:ext>
+    </p:extLst>
+  </p:cSld>
+  <p:clrMap bg1="lt1" tx1="dk1" bg2="lt2" tx2="dk2" accent1="accent1" accent2="accent2" accent3="accent3" accent4="accent4" accent5="accent5" accent6="accent6" hlink="hlink" folHlink="folHlink"/>
+  <p:notesStyle>
+    <a:lvl1pPr marL="0" algn="l" defTabSz="914400" rtl="0" eaLnBrk="1" latinLnBrk="1" hangingPunct="1">
+      <a:defRPr sz="1200" kern="1200">
+        <a:solidFill>
+          <a:schemeClr val="tx1"/>
+        </a:solidFill>
+        <a:latin typeface="+mn-lt"/>
+        <a:ea typeface="+mn-ea"/>
+        <a:cs typeface="+mn-cs"/>
+      </a:defRPr>
+    </a:lvl1pPr>
+    <a:lvl2pPr marL="457200" algn="l" defTabSz="914400" rtl="0" eaLnBrk="1" latinLnBrk="1" hangingPunct="1">
+      <a:defRPr sz="1200" kern="1200">
+        <a:solidFill>
+          <a:schemeClr val="tx1"/>
+        </a:solidFill>
+        <a:latin typeface="+mn-lt"/>
+        <a:ea typeface="+mn-ea"/>
+        <a:cs typeface="+mn-cs"/>
+      </a:defRPr>
+    </a:lvl2pPr>
+    <a:lvl3pPr marL="914400" algn="l" defTabSz="914400" rtl="0" eaLnBrk="1" latinLnBrk="1" hangingPunct="1">
+      <a:defRPr sz="1200" kern="1200">
+        <a:solidFill>
+          <a:schemeClr val="tx1"/>
+        </a:solidFill>
+        <a:latin typeface="+mn-lt"/>
+        <a:ea typeface="+mn-ea"/>
+        <a:cs typeface="+mn-cs"/>
+      </a:defRPr>
+    </a:lvl3pPr>
+    <a:lvl4pPr marL="1371600" algn="l" defTabSz="914400" rtl="0" eaLnBrk="1" latinLnBrk="1" hangingPunct="1">
+      <a:defRPr sz="1200" kern="1200">
+        <a:solidFill>
+          <a:schemeClr val="tx1"/>
+        </a:solidFill>
+        <a:latin typeface="+mn-lt"/>
+        <a:ea typeface="+mn-ea"/>
+        <a:cs typeface="+mn-cs"/>
+      </a:defRPr>
+    </a:lvl4pPr>
+    <a:lvl5pPr marL="1828800" algn="l" defTabSz="914400" rtl="0" eaLnBrk="1" latinLnBrk="1" hangingPunct="1">
+      <a:defRPr sz="1200" kern="1200">
+        <a:solidFill>
+          <a:schemeClr val="tx1"/>
+        </a:solidFill>
+        <a:latin typeface="+mn-lt"/>
+        <a:ea typeface="+mn-ea"/>
+        <a:cs typeface="+mn-cs"/>
+      </a:defRPr>
+    </a:lvl5pPr>
+    <a:lvl6pPr marL="2286000" algn="l" defTabSz="914400" rtl="0" eaLnBrk="1" latinLnBrk="1" hangingPunct="1">
+      <a:defRPr sz="1200" kern="1200">
+        <a:solidFill>
+          <a:schemeClr val="tx1"/>
+        </a:solidFill>
+        <a:latin typeface="+mn-lt"/>
+        <a:ea typeface="+mn-ea"/>
+        <a:cs typeface="+mn-cs"/>
+      </a:defRPr>
+    </a:lvl6pPr>
+    <a:lvl7pPr marL="2743200" algn="l" defTabSz="914400" rtl="0" eaLnBrk="1" latinLnBrk="1" hangingPunct="1">
+      <a:defRPr sz="1200" kern="1200">
+        <a:solidFill>
+          <a:schemeClr val="tx1"/>
+        </a:solidFill>
+        <a:latin typeface="+mn-lt"/>
+        <a:ea typeface="+mn-ea"/>
+        <a:cs typeface="+mn-cs"/>
+      </a:defRPr>
+    </a:lvl7pPr>
+    <a:lvl8pPr marL="3200400" algn="l" defTabSz="914400" rtl="0" eaLnBrk="1" latinLnBrk="1" hangingPunct="1">
+      <a:defRPr sz="1200" kern="1200">
+        <a:solidFill>
+          <a:schemeClr val="tx1"/>
+        </a:solidFill>
+        <a:latin typeface="+mn-lt"/>
+        <a:ea typeface="+mn-ea"/>
+        <a:cs typeface="+mn-cs"/>
+      </a:defRPr>
+    </a:lvl8pPr>
+    <a:lvl9pPr marL="3657600" algn="l" defTabSz="914400" rtl="0" eaLnBrk="1" latinLnBrk="1" hangingPunct="1">
+      <a:defRPr sz="1200" kern="1200">
+        <a:solidFill>
+          <a:schemeClr val="tx1"/>
+        </a:solidFill>
+        <a:latin typeface="+mn-lt"/>
+        <a:ea typeface="+mn-ea"/>
+        <a:cs typeface="+mn-cs"/>
+      </a:defRPr>
+    </a:lvl9pPr>
+  </p:notesStyle>
+</p:notesMaster>
+</file>
+
 <file path=ppt/slideLayouts/slideLayout1.xml><?xml version="1.0" encoding="utf-8"?>
 <p:sldLayout xmlns:a="http://schemas.openxmlformats.org/drawingml/2006/main" xmlns:r="http://schemas.openxmlformats.org/officeDocument/2006/relationships" xmlns:p="http://schemas.openxmlformats.org/presentationml/2006/main" type="title" preserve="1">
   <p:cSld name="제목 슬라이드">
@@ -272,9 +624,9 @@
           <a:bodyPr/>
           <a:lstStyle/>
           <a:p>
-            <a:fld id="{EFD0E181-7937-4316-B9BD-E8D2BFA63EAF}" type="datetimeFigureOut">
+            <a:fld id="{C2C23887-8309-43A3-BC05-E62B89200AFB}" type="datetime1">
               <a:rPr lang="ko-KR" altLang="en-US" smtClean="0"/>
-              <a:t>2020-04-19</a:t>
+              <a:t>2020-04-20</a:t>
             </a:fld>
             <a:endParaRPr lang="ko-KR" altLang="en-US"/>
           </a:p>
@@ -470,9 +822,9 @@
           <a:bodyPr/>
           <a:lstStyle/>
           <a:p>
-            <a:fld id="{EFD0E181-7937-4316-B9BD-E8D2BFA63EAF}" type="datetimeFigureOut">
+            <a:fld id="{C269D75B-0FFA-4375-A66C-F7D73556E8F6}" type="datetime1">
               <a:rPr lang="ko-KR" altLang="en-US" smtClean="0"/>
-              <a:t>2020-04-19</a:t>
+              <a:t>2020-04-20</a:t>
             </a:fld>
             <a:endParaRPr lang="ko-KR" altLang="en-US"/>
           </a:p>
@@ -678,9 +1030,9 @@
           <a:bodyPr/>
           <a:lstStyle/>
           <a:p>
-            <a:fld id="{EFD0E181-7937-4316-B9BD-E8D2BFA63EAF}" type="datetimeFigureOut">
+            <a:fld id="{C76D8409-547F-4DEC-AA4C-114D66CDE370}" type="datetime1">
               <a:rPr lang="ko-KR" altLang="en-US" smtClean="0"/>
-              <a:t>2020-04-19</a:t>
+              <a:t>2020-04-20</a:t>
             </a:fld>
             <a:endParaRPr lang="ko-KR" altLang="en-US"/>
           </a:p>
@@ -876,9 +1228,9 @@
           <a:bodyPr/>
           <a:lstStyle/>
           <a:p>
-            <a:fld id="{EFD0E181-7937-4316-B9BD-E8D2BFA63EAF}" type="datetimeFigureOut">
+            <a:fld id="{2A949BB6-3B0F-45D7-A79C-8E655D3E9888}" type="datetime1">
               <a:rPr lang="ko-KR" altLang="en-US" smtClean="0"/>
-              <a:t>2020-04-19</a:t>
+              <a:t>2020-04-20</a:t>
             </a:fld>
             <a:endParaRPr lang="ko-KR" altLang="en-US"/>
           </a:p>
@@ -1151,9 +1503,9 @@
           <a:bodyPr/>
           <a:lstStyle/>
           <a:p>
-            <a:fld id="{EFD0E181-7937-4316-B9BD-E8D2BFA63EAF}" type="datetimeFigureOut">
+            <a:fld id="{8FECF78F-100D-4EDF-90A6-5DBC63D79C1C}" type="datetime1">
               <a:rPr lang="ko-KR" altLang="en-US" smtClean="0"/>
-              <a:t>2020-04-19</a:t>
+              <a:t>2020-04-20</a:t>
             </a:fld>
             <a:endParaRPr lang="ko-KR" altLang="en-US"/>
           </a:p>
@@ -1416,9 +1768,9 @@
           <a:bodyPr/>
           <a:lstStyle/>
           <a:p>
-            <a:fld id="{EFD0E181-7937-4316-B9BD-E8D2BFA63EAF}" type="datetimeFigureOut">
+            <a:fld id="{4CF41437-4165-4BD9-8725-609FD9FC6E71}" type="datetime1">
               <a:rPr lang="ko-KR" altLang="en-US" smtClean="0"/>
-              <a:t>2020-04-19</a:t>
+              <a:t>2020-04-20</a:t>
             </a:fld>
             <a:endParaRPr lang="ko-KR" altLang="en-US"/>
           </a:p>
@@ -1828,9 +2180,9 @@
           <a:bodyPr/>
           <a:lstStyle/>
           <a:p>
-            <a:fld id="{EFD0E181-7937-4316-B9BD-E8D2BFA63EAF}" type="datetimeFigureOut">
+            <a:fld id="{D2FBD289-A57C-45B6-8183-5B049D8C7E76}" type="datetime1">
               <a:rPr lang="ko-KR" altLang="en-US" smtClean="0"/>
-              <a:t>2020-04-19</a:t>
+              <a:t>2020-04-20</a:t>
             </a:fld>
             <a:endParaRPr lang="ko-KR" altLang="en-US"/>
           </a:p>
@@ -1969,9 +2321,9 @@
           <a:bodyPr/>
           <a:lstStyle/>
           <a:p>
-            <a:fld id="{EFD0E181-7937-4316-B9BD-E8D2BFA63EAF}" type="datetimeFigureOut">
+            <a:fld id="{B7566A03-B186-4885-B995-F8FAC0DC759B}" type="datetime1">
               <a:rPr lang="ko-KR" altLang="en-US" smtClean="0"/>
-              <a:t>2020-04-19</a:t>
+              <a:t>2020-04-20</a:t>
             </a:fld>
             <a:endParaRPr lang="ko-KR" altLang="en-US"/>
           </a:p>
@@ -2082,9 +2434,9 @@
           <a:bodyPr/>
           <a:lstStyle/>
           <a:p>
-            <a:fld id="{EFD0E181-7937-4316-B9BD-E8D2BFA63EAF}" type="datetimeFigureOut">
+            <a:fld id="{6FDDFB26-4840-4535-94FC-BA6BF3C93B53}" type="datetime1">
               <a:rPr lang="ko-KR" altLang="en-US" smtClean="0"/>
-              <a:t>2020-04-19</a:t>
+              <a:t>2020-04-20</a:t>
             </a:fld>
             <a:endParaRPr lang="ko-KR" altLang="en-US"/>
           </a:p>
@@ -2393,9 +2745,9 @@
           <a:bodyPr/>
           <a:lstStyle/>
           <a:p>
-            <a:fld id="{EFD0E181-7937-4316-B9BD-E8D2BFA63EAF}" type="datetimeFigureOut">
+            <a:fld id="{4686ED94-7087-40F9-ABF7-8DBEB831AA78}" type="datetime1">
               <a:rPr lang="ko-KR" altLang="en-US" smtClean="0"/>
-              <a:t>2020-04-19</a:t>
+              <a:t>2020-04-20</a:t>
             </a:fld>
             <a:endParaRPr lang="ko-KR" altLang="en-US"/>
           </a:p>
@@ -2681,9 +3033,9 @@
           <a:bodyPr/>
           <a:lstStyle/>
           <a:p>
-            <a:fld id="{EFD0E181-7937-4316-B9BD-E8D2BFA63EAF}" type="datetimeFigureOut">
+            <a:fld id="{8588D782-7883-4971-B639-DAC2F74FFDFC}" type="datetime1">
               <a:rPr lang="ko-KR" altLang="en-US" smtClean="0"/>
-              <a:t>2020-04-19</a:t>
+              <a:t>2020-04-20</a:t>
             </a:fld>
             <a:endParaRPr lang="ko-KR" altLang="en-US"/>
           </a:p>
@@ -2922,9 +3274,9 @@
             </a:lvl1pPr>
           </a:lstStyle>
           <a:p>
-            <a:fld id="{EFD0E181-7937-4316-B9BD-E8D2BFA63EAF}" type="datetimeFigureOut">
+            <a:fld id="{BD31E275-5F40-4AC3-AAC5-9849F82FF784}" type="datetime1">
               <a:rPr lang="ko-KR" altLang="en-US" smtClean="0"/>
-              <a:t>2020-04-19</a:t>
+              <a:t>2020-04-20</a:t>
             </a:fld>
             <a:endParaRPr lang="ko-KR" altLang="en-US"/>
           </a:p>
@@ -3041,6 +3393,7 @@
     <p:sldLayoutId id="2147483658" r:id="rId10"/>
     <p:sldLayoutId id="2147483659" r:id="rId11"/>
   </p:sldLayoutIdLst>
+  <p:hf hdr="0" ftr="0" dt="0"/>
   <p:txStyles>
     <p:titleStyle>
       <a:lvl1pPr algn="l" defTabSz="914400" rtl="0" eaLnBrk="1" latinLnBrk="1" hangingPunct="1">
@@ -3694,6 +4047,35 @@
           </a:p>
         </p:txBody>
       </p:sp>
+      <p:sp>
+        <p:nvSpPr>
+          <p:cNvPr id="2" name="슬라이드 번호 개체 틀 1">
+            <a:extLst>
+              <a:ext uri="{FF2B5EF4-FFF2-40B4-BE49-F238E27FC236}">
+                <a16:creationId xmlns:a16="http://schemas.microsoft.com/office/drawing/2014/main" id="{6544092B-ED82-4909-B8E7-BF74B32FC015}"/>
+              </a:ext>
+            </a:extLst>
+          </p:cNvPr>
+          <p:cNvSpPr>
+            <a:spLocks noGrp="1"/>
+          </p:cNvSpPr>
+          <p:nvPr>
+            <p:ph type="sldNum" sz="quarter" idx="12"/>
+          </p:nvPr>
+        </p:nvSpPr>
+        <p:spPr/>
+        <p:txBody>
+          <a:bodyPr/>
+          <a:lstStyle/>
+          <a:p>
+            <a:fld id="{BF5D715A-C634-4DD6-8A2C-C5889D29A1BA}" type="slidenum">
+              <a:rPr lang="ko-KR" altLang="en-US" smtClean="0"/>
+              <a:t>1</a:t>
+            </a:fld>
+            <a:endParaRPr lang="ko-KR" altLang="en-US"/>
+          </a:p>
+        </p:txBody>
+      </p:sp>
     </p:spTree>
     <p:extLst>
       <p:ext uri="{BB962C8B-B14F-4D97-AF65-F5344CB8AC3E}">
@@ -3868,8 +4250,8 @@
           </a:prstGeom>
         </p:spPr>
       </p:pic>
-      <mc:AlternateContent xmlns:mc="http://schemas.openxmlformats.org/markup-compatibility/2006">
-        <mc:Choice xmlns:a14="http://schemas.microsoft.com/office/drawing/2010/main" Requires="a14">
+      <mc:AlternateContent xmlns:mc="http://schemas.openxmlformats.org/markup-compatibility/2006" xmlns:a14="http://schemas.microsoft.com/office/drawing/2010/main">
+        <mc:Choice Requires="a14">
           <p:sp>
             <p:nvSpPr>
               <p:cNvPr id="8" name="TextBox 7">
@@ -3952,7 +4334,7 @@
             </p:txBody>
           </p:sp>
         </mc:Choice>
-        <mc:Fallback>
+        <mc:Fallback xmlns="">
           <p:sp>
             <p:nvSpPr>
               <p:cNvPr id="8" name="TextBox 7">
@@ -4202,6 +4584,35 @@
           </a:p>
         </p:txBody>
       </p:sp>
+      <p:sp>
+        <p:nvSpPr>
+          <p:cNvPr id="4" name="슬라이드 번호 개체 틀 3">
+            <a:extLst>
+              <a:ext uri="{FF2B5EF4-FFF2-40B4-BE49-F238E27FC236}">
+                <a16:creationId xmlns:a16="http://schemas.microsoft.com/office/drawing/2014/main" id="{8BEE8F73-F3DC-42F2-BE51-B3FAB9125A0C}"/>
+              </a:ext>
+            </a:extLst>
+          </p:cNvPr>
+          <p:cNvSpPr>
+            <a:spLocks noGrp="1"/>
+          </p:cNvSpPr>
+          <p:nvPr>
+            <p:ph type="sldNum" sz="quarter" idx="12"/>
+          </p:nvPr>
+        </p:nvSpPr>
+        <p:spPr/>
+        <p:txBody>
+          <a:bodyPr/>
+          <a:lstStyle/>
+          <a:p>
+            <a:fld id="{BF5D715A-C634-4DD6-8A2C-C5889D29A1BA}" type="slidenum">
+              <a:rPr lang="ko-KR" altLang="en-US" smtClean="0"/>
+              <a:t>10</a:t>
+            </a:fld>
+            <a:endParaRPr lang="ko-KR" altLang="en-US"/>
+          </a:p>
+        </p:txBody>
+      </p:sp>
     </p:spTree>
     <p:extLst>
       <p:ext uri="{BB962C8B-B14F-4D97-AF65-F5344CB8AC3E}">
@@ -5003,6 +5414,35 @@
           </a:fontRef>
         </p:style>
       </p:cxnSp>
+      <p:sp>
+        <p:nvSpPr>
+          <p:cNvPr id="5" name="슬라이드 번호 개체 틀 4">
+            <a:extLst>
+              <a:ext uri="{FF2B5EF4-FFF2-40B4-BE49-F238E27FC236}">
+                <a16:creationId xmlns:a16="http://schemas.microsoft.com/office/drawing/2014/main" id="{D29C2EF0-02BE-4D13-99E4-CB0EFAC2448E}"/>
+              </a:ext>
+            </a:extLst>
+          </p:cNvPr>
+          <p:cNvSpPr>
+            <a:spLocks noGrp="1"/>
+          </p:cNvSpPr>
+          <p:nvPr>
+            <p:ph type="sldNum" sz="quarter" idx="12"/>
+          </p:nvPr>
+        </p:nvSpPr>
+        <p:spPr/>
+        <p:txBody>
+          <a:bodyPr/>
+          <a:lstStyle/>
+          <a:p>
+            <a:fld id="{BF5D715A-C634-4DD6-8A2C-C5889D29A1BA}" type="slidenum">
+              <a:rPr lang="ko-KR" altLang="en-US" smtClean="0"/>
+              <a:t>11</a:t>
+            </a:fld>
+            <a:endParaRPr lang="ko-KR" altLang="en-US"/>
+          </a:p>
+        </p:txBody>
+      </p:sp>
     </p:spTree>
     <p:extLst>
       <p:ext uri="{BB962C8B-B14F-4D97-AF65-F5344CB8AC3E}">
@@ -5806,8 +6246,8 @@
           </a:fontRef>
         </p:style>
       </p:cxnSp>
-      <mc:AlternateContent xmlns:mc="http://schemas.openxmlformats.org/markup-compatibility/2006">
-        <mc:Choice xmlns:a14="http://schemas.microsoft.com/office/drawing/2010/main" Requires="a14">
+      <mc:AlternateContent xmlns:mc="http://schemas.openxmlformats.org/markup-compatibility/2006" xmlns:a14="http://schemas.microsoft.com/office/drawing/2010/main">
+        <mc:Choice Requires="a14">
           <p:sp>
             <p:nvSpPr>
               <p:cNvPr id="48" name="TextBox 47">
@@ -5942,7 +6382,7 @@
             </p:txBody>
           </p:sp>
         </mc:Choice>
-        <mc:Fallback>
+        <mc:Fallback xmlns="">
           <p:sp>
             <p:nvSpPr>
               <p:cNvPr id="48" name="TextBox 47">
@@ -6073,6 +6513,35 @@
           </a:fontRef>
         </p:style>
       </p:cxnSp>
+      <p:sp>
+        <p:nvSpPr>
+          <p:cNvPr id="4" name="슬라이드 번호 개체 틀 3">
+            <a:extLst>
+              <a:ext uri="{FF2B5EF4-FFF2-40B4-BE49-F238E27FC236}">
+                <a16:creationId xmlns:a16="http://schemas.microsoft.com/office/drawing/2014/main" id="{756C7094-A3D5-4255-BA27-62B285E7EB88}"/>
+              </a:ext>
+            </a:extLst>
+          </p:cNvPr>
+          <p:cNvSpPr>
+            <a:spLocks noGrp="1"/>
+          </p:cNvSpPr>
+          <p:nvPr>
+            <p:ph type="sldNum" sz="quarter" idx="12"/>
+          </p:nvPr>
+        </p:nvSpPr>
+        <p:spPr/>
+        <p:txBody>
+          <a:bodyPr/>
+          <a:lstStyle/>
+          <a:p>
+            <a:fld id="{BF5D715A-C634-4DD6-8A2C-C5889D29A1BA}" type="slidenum">
+              <a:rPr lang="ko-KR" altLang="en-US" smtClean="0"/>
+              <a:t>12</a:t>
+            </a:fld>
+            <a:endParaRPr lang="ko-KR" altLang="en-US"/>
+          </a:p>
+        </p:txBody>
+      </p:sp>
     </p:spTree>
     <p:extLst>
       <p:ext uri="{BB962C8B-B14F-4D97-AF65-F5344CB8AC3E}">
@@ -6817,6 +7286,35 @@
           </a:p>
         </p:txBody>
       </p:sp>
+      <p:sp>
+        <p:nvSpPr>
+          <p:cNvPr id="16" name="슬라이드 번호 개체 틀 15">
+            <a:extLst>
+              <a:ext uri="{FF2B5EF4-FFF2-40B4-BE49-F238E27FC236}">
+                <a16:creationId xmlns:a16="http://schemas.microsoft.com/office/drawing/2014/main" id="{F7D9CF68-3A3B-4254-8CF1-8AF142F890DD}"/>
+              </a:ext>
+            </a:extLst>
+          </p:cNvPr>
+          <p:cNvSpPr>
+            <a:spLocks noGrp="1"/>
+          </p:cNvSpPr>
+          <p:nvPr>
+            <p:ph type="sldNum" sz="quarter" idx="12"/>
+          </p:nvPr>
+        </p:nvSpPr>
+        <p:spPr/>
+        <p:txBody>
+          <a:bodyPr/>
+          <a:lstStyle/>
+          <a:p>
+            <a:fld id="{BF5D715A-C634-4DD6-8A2C-C5889D29A1BA}" type="slidenum">
+              <a:rPr lang="ko-KR" altLang="en-US" smtClean="0"/>
+              <a:t>13</a:t>
+            </a:fld>
+            <a:endParaRPr lang="ko-KR" altLang="en-US"/>
+          </a:p>
+        </p:txBody>
+      </p:sp>
     </p:spTree>
     <p:extLst>
       <p:ext uri="{BB962C8B-B14F-4D97-AF65-F5344CB8AC3E}">
@@ -7665,6 +8163,35 @@
           </a:fontRef>
         </p:style>
       </p:cxnSp>
+      <p:sp>
+        <p:nvSpPr>
+          <p:cNvPr id="6" name="슬라이드 번호 개체 틀 5">
+            <a:extLst>
+              <a:ext uri="{FF2B5EF4-FFF2-40B4-BE49-F238E27FC236}">
+                <a16:creationId xmlns:a16="http://schemas.microsoft.com/office/drawing/2014/main" id="{5117F00A-B145-4941-A6AB-8EEDEF026381}"/>
+              </a:ext>
+            </a:extLst>
+          </p:cNvPr>
+          <p:cNvSpPr>
+            <a:spLocks noGrp="1"/>
+          </p:cNvSpPr>
+          <p:nvPr>
+            <p:ph type="sldNum" sz="quarter" idx="12"/>
+          </p:nvPr>
+        </p:nvSpPr>
+        <p:spPr/>
+        <p:txBody>
+          <a:bodyPr/>
+          <a:lstStyle/>
+          <a:p>
+            <a:fld id="{BF5D715A-C634-4DD6-8A2C-C5889D29A1BA}" type="slidenum">
+              <a:rPr lang="ko-KR" altLang="en-US" smtClean="0"/>
+              <a:t>14</a:t>
+            </a:fld>
+            <a:endParaRPr lang="ko-KR" altLang="en-US"/>
+          </a:p>
+        </p:txBody>
+      </p:sp>
     </p:spTree>
     <p:extLst>
       <p:ext uri="{BB962C8B-B14F-4D97-AF65-F5344CB8AC3E}">
@@ -7880,6 +8407,35 @@
           </a:p>
         </p:txBody>
       </p:sp>
+      <p:sp>
+        <p:nvSpPr>
+          <p:cNvPr id="5" name="슬라이드 번호 개체 틀 4">
+            <a:extLst>
+              <a:ext uri="{FF2B5EF4-FFF2-40B4-BE49-F238E27FC236}">
+                <a16:creationId xmlns:a16="http://schemas.microsoft.com/office/drawing/2014/main" id="{2E72F174-BEF8-44C4-A960-2F065847E22F}"/>
+              </a:ext>
+            </a:extLst>
+          </p:cNvPr>
+          <p:cNvSpPr>
+            <a:spLocks noGrp="1"/>
+          </p:cNvSpPr>
+          <p:nvPr>
+            <p:ph type="sldNum" sz="quarter" idx="12"/>
+          </p:nvPr>
+        </p:nvSpPr>
+        <p:spPr/>
+        <p:txBody>
+          <a:bodyPr/>
+          <a:lstStyle/>
+          <a:p>
+            <a:fld id="{BF5D715A-C634-4DD6-8A2C-C5889D29A1BA}" type="slidenum">
+              <a:rPr lang="ko-KR" altLang="en-US" smtClean="0"/>
+              <a:t>15</a:t>
+            </a:fld>
+            <a:endParaRPr lang="ko-KR" altLang="en-US"/>
+          </a:p>
+        </p:txBody>
+      </p:sp>
     </p:spTree>
     <p:extLst>
       <p:ext uri="{BB962C8B-B14F-4D97-AF65-F5344CB8AC3E}">
@@ -8125,6 +8681,35 @@
           </a:p>
         </p:txBody>
       </p:sp>
+      <p:sp>
+        <p:nvSpPr>
+          <p:cNvPr id="2" name="슬라이드 번호 개체 틀 1">
+            <a:extLst>
+              <a:ext uri="{FF2B5EF4-FFF2-40B4-BE49-F238E27FC236}">
+                <a16:creationId xmlns:a16="http://schemas.microsoft.com/office/drawing/2014/main" id="{CFD28B1A-1FD6-413A-AAB7-6CC044B69CFC}"/>
+              </a:ext>
+            </a:extLst>
+          </p:cNvPr>
+          <p:cNvSpPr>
+            <a:spLocks noGrp="1"/>
+          </p:cNvSpPr>
+          <p:nvPr>
+            <p:ph type="sldNum" sz="quarter" idx="12"/>
+          </p:nvPr>
+        </p:nvSpPr>
+        <p:spPr/>
+        <p:txBody>
+          <a:bodyPr/>
+          <a:lstStyle/>
+          <a:p>
+            <a:fld id="{BF5D715A-C634-4DD6-8A2C-C5889D29A1BA}" type="slidenum">
+              <a:rPr lang="ko-KR" altLang="en-US" smtClean="0"/>
+              <a:t>16</a:t>
+            </a:fld>
+            <a:endParaRPr lang="ko-KR" altLang="en-US"/>
+          </a:p>
+        </p:txBody>
+      </p:sp>
     </p:spTree>
     <p:extLst>
       <p:ext uri="{BB962C8B-B14F-4D97-AF65-F5344CB8AC3E}">
@@ -8735,6 +9320,35 @@
           </a:fontRef>
         </p:style>
       </p:cxnSp>
+      <p:sp>
+        <p:nvSpPr>
+          <p:cNvPr id="2" name="슬라이드 번호 개체 틀 1">
+            <a:extLst>
+              <a:ext uri="{FF2B5EF4-FFF2-40B4-BE49-F238E27FC236}">
+                <a16:creationId xmlns:a16="http://schemas.microsoft.com/office/drawing/2014/main" id="{E9AE4538-0669-49F2-8F61-A6E3A27B13D5}"/>
+              </a:ext>
+            </a:extLst>
+          </p:cNvPr>
+          <p:cNvSpPr>
+            <a:spLocks noGrp="1"/>
+          </p:cNvSpPr>
+          <p:nvPr>
+            <p:ph type="sldNum" sz="quarter" idx="12"/>
+          </p:nvPr>
+        </p:nvSpPr>
+        <p:spPr/>
+        <p:txBody>
+          <a:bodyPr/>
+          <a:lstStyle/>
+          <a:p>
+            <a:fld id="{BF5D715A-C634-4DD6-8A2C-C5889D29A1BA}" type="slidenum">
+              <a:rPr lang="ko-KR" altLang="en-US" smtClean="0"/>
+              <a:t>2</a:t>
+            </a:fld>
+            <a:endParaRPr lang="ko-KR" altLang="en-US"/>
+          </a:p>
+        </p:txBody>
+      </p:sp>
     </p:spTree>
     <p:extLst>
       <p:ext uri="{BB962C8B-B14F-4D97-AF65-F5344CB8AC3E}">
@@ -10945,7 +11559,7 @@
             <a:noFill/>
             <a:extLst>
               <a:ext uri="{C807C97D-BFC1-408E-A445-0C87EB9F89A2}">
-                <ask:lineSketchStyleProps xmlns:ask="http://schemas.microsoft.com/office/drawing/2018/sketchyshapes" sd="1219033472">
+                <ask:lineSketchStyleProps xmlns:ask="http://schemas.microsoft.com/office/drawing/2018/sketchyshapes" xmlns="" sd="1219033472">
                   <a:custGeom>
                     <a:avLst/>
                     <a:gdLst>
@@ -11149,6 +11763,35 @@
           </a:fontRef>
         </p:style>
       </p:cxnSp>
+      <p:sp>
+        <p:nvSpPr>
+          <p:cNvPr id="2" name="슬라이드 번호 개체 틀 1">
+            <a:extLst>
+              <a:ext uri="{FF2B5EF4-FFF2-40B4-BE49-F238E27FC236}">
+                <a16:creationId xmlns:a16="http://schemas.microsoft.com/office/drawing/2014/main" id="{B53DC353-5FD1-4449-949C-B088334D6614}"/>
+              </a:ext>
+            </a:extLst>
+          </p:cNvPr>
+          <p:cNvSpPr>
+            <a:spLocks noGrp="1"/>
+          </p:cNvSpPr>
+          <p:nvPr>
+            <p:ph type="sldNum" sz="quarter" idx="12"/>
+          </p:nvPr>
+        </p:nvSpPr>
+        <p:spPr/>
+        <p:txBody>
+          <a:bodyPr/>
+          <a:lstStyle/>
+          <a:p>
+            <a:fld id="{BF5D715A-C634-4DD6-8A2C-C5889D29A1BA}" type="slidenum">
+              <a:rPr lang="ko-KR" altLang="en-US" smtClean="0"/>
+              <a:t>3</a:t>
+            </a:fld>
+            <a:endParaRPr lang="ko-KR" altLang="en-US"/>
+          </a:p>
+        </p:txBody>
+      </p:sp>
     </p:spTree>
     <p:extLst>
       <p:ext uri="{BB962C8B-B14F-4D97-AF65-F5344CB8AC3E}">
@@ -11696,6 +12339,35 @@
           </a:p>
         </p:txBody>
       </p:sp>
+      <p:sp>
+        <p:nvSpPr>
+          <p:cNvPr id="6" name="슬라이드 번호 개체 틀 5">
+            <a:extLst>
+              <a:ext uri="{FF2B5EF4-FFF2-40B4-BE49-F238E27FC236}">
+                <a16:creationId xmlns:a16="http://schemas.microsoft.com/office/drawing/2014/main" id="{8893D57D-3E48-43EE-ACF1-D858C327F28B}"/>
+              </a:ext>
+            </a:extLst>
+          </p:cNvPr>
+          <p:cNvSpPr>
+            <a:spLocks noGrp="1"/>
+          </p:cNvSpPr>
+          <p:nvPr>
+            <p:ph type="sldNum" sz="quarter" idx="12"/>
+          </p:nvPr>
+        </p:nvSpPr>
+        <p:spPr/>
+        <p:txBody>
+          <a:bodyPr/>
+          <a:lstStyle/>
+          <a:p>
+            <a:fld id="{BF5D715A-C634-4DD6-8A2C-C5889D29A1BA}" type="slidenum">
+              <a:rPr lang="ko-KR" altLang="en-US" smtClean="0"/>
+              <a:t>4</a:t>
+            </a:fld>
+            <a:endParaRPr lang="ko-KR" altLang="en-US"/>
+          </a:p>
+        </p:txBody>
+      </p:sp>
     </p:spTree>
     <p:extLst>
       <p:ext uri="{BB962C8B-B14F-4D97-AF65-F5344CB8AC3E}">
@@ -12477,6 +13149,35 @@
           </a:fontRef>
         </p:style>
       </p:cxnSp>
+      <p:sp>
+        <p:nvSpPr>
+          <p:cNvPr id="5" name="슬라이드 번호 개체 틀 4">
+            <a:extLst>
+              <a:ext uri="{FF2B5EF4-FFF2-40B4-BE49-F238E27FC236}">
+                <a16:creationId xmlns:a16="http://schemas.microsoft.com/office/drawing/2014/main" id="{32964329-C27A-4B5C-A9F2-9BA97D75F482}"/>
+              </a:ext>
+            </a:extLst>
+          </p:cNvPr>
+          <p:cNvSpPr>
+            <a:spLocks noGrp="1"/>
+          </p:cNvSpPr>
+          <p:nvPr>
+            <p:ph type="sldNum" sz="quarter" idx="12"/>
+          </p:nvPr>
+        </p:nvSpPr>
+        <p:spPr/>
+        <p:txBody>
+          <a:bodyPr/>
+          <a:lstStyle/>
+          <a:p>
+            <a:fld id="{BF5D715A-C634-4DD6-8A2C-C5889D29A1BA}" type="slidenum">
+              <a:rPr lang="ko-KR" altLang="en-US" smtClean="0"/>
+              <a:t>5</a:t>
+            </a:fld>
+            <a:endParaRPr lang="ko-KR" altLang="en-US"/>
+          </a:p>
+        </p:txBody>
+      </p:sp>
     </p:spTree>
     <p:extLst>
       <p:ext uri="{BB962C8B-B14F-4D97-AF65-F5344CB8AC3E}">
@@ -12885,6 +13586,35 @@
           </a:fontRef>
         </p:style>
       </p:cxnSp>
+      <p:sp>
+        <p:nvSpPr>
+          <p:cNvPr id="4" name="슬라이드 번호 개체 틀 3">
+            <a:extLst>
+              <a:ext uri="{FF2B5EF4-FFF2-40B4-BE49-F238E27FC236}">
+                <a16:creationId xmlns:a16="http://schemas.microsoft.com/office/drawing/2014/main" id="{261937B2-9F3A-4957-86DB-77F754C84B82}"/>
+              </a:ext>
+            </a:extLst>
+          </p:cNvPr>
+          <p:cNvSpPr>
+            <a:spLocks noGrp="1"/>
+          </p:cNvSpPr>
+          <p:nvPr>
+            <p:ph type="sldNum" sz="quarter" idx="12"/>
+          </p:nvPr>
+        </p:nvSpPr>
+        <p:spPr/>
+        <p:txBody>
+          <a:bodyPr/>
+          <a:lstStyle/>
+          <a:p>
+            <a:fld id="{BF5D715A-C634-4DD6-8A2C-C5889D29A1BA}" type="slidenum">
+              <a:rPr lang="ko-KR" altLang="en-US" smtClean="0"/>
+              <a:t>6</a:t>
+            </a:fld>
+            <a:endParaRPr lang="ko-KR" altLang="en-US"/>
+          </a:p>
+        </p:txBody>
+      </p:sp>
     </p:spTree>
     <p:extLst>
       <p:ext uri="{BB962C8B-B14F-4D97-AF65-F5344CB8AC3E}">
@@ -13013,7 +13743,7 @@
                 <a:ea typeface="HY견고딕" panose="02030600000101010101" pitchFamily="18" charset="-127"/>
                 <a:cs typeface="Arial" panose="020B0604020202020204" pitchFamily="34" charset="0"/>
               </a:rPr>
-              <a:t>GAN’s Limit</a:t>
+              <a:t>Cycle-GAN’s Limit</a:t>
             </a:r>
             <a:endParaRPr lang="ko-KR" altLang="en-US" sz="4000" b="1" dirty="0">
               <a:latin typeface="Arial" panose="020B0604020202020204" pitchFamily="34" charset="0"/>
@@ -13056,7 +13786,7 @@
                 <a:latin typeface="Arial" panose="020B0604020202020204" pitchFamily="34" charset="0"/>
                 <a:cs typeface="Arial" panose="020B0604020202020204" pitchFamily="34" charset="0"/>
               </a:rPr>
-              <a:t>The instance of GAN is only matched 1 by 1.</a:t>
+              <a:t>The instance of cycle-GAN is only matched 1 by 1.</a:t>
             </a:r>
             <a:endParaRPr lang="ko-KR" altLang="en-US" sz="2200" dirty="0">
               <a:latin typeface="Arial" panose="020B0604020202020204" pitchFamily="34" charset="0"/>
@@ -13733,7 +14463,7 @@
                 <a:latin typeface="Arial" panose="020B0604020202020204" pitchFamily="34" charset="0"/>
                 <a:cs typeface="Arial" panose="020B0604020202020204" pitchFamily="34" charset="0"/>
               </a:rPr>
-              <a:t>It makes GAN not work well.</a:t>
+              <a:t>It makes cycle-GAN not work well.</a:t>
             </a:r>
             <a:endParaRPr lang="ko-KR" altLang="en-US" sz="1600" dirty="0">
               <a:latin typeface="Arial" panose="020B0604020202020204" pitchFamily="34" charset="0"/>
@@ -13818,7 +14548,7 @@
                 <a:latin typeface="Arial" panose="020B0604020202020204" pitchFamily="34" charset="0"/>
                 <a:cs typeface="Arial" panose="020B0604020202020204" pitchFamily="34" charset="0"/>
               </a:rPr>
-              <a:t>E.g. When GAN translates Zebra instance to Giraffe, it doesn’t function well.</a:t>
+              <a:t>E.g. When cycle-GAN translates Zebra instance to Giraffe, it doesn’t function well.</a:t>
             </a:r>
             <a:endParaRPr lang="ko-KR" altLang="en-US" sz="1600" dirty="0">
               <a:latin typeface="Arial" panose="020B0604020202020204" pitchFamily="34" charset="0"/>
@@ -13870,6 +14600,35 @@
           </a:fontRef>
         </p:style>
       </p:cxnSp>
+      <p:sp>
+        <p:nvSpPr>
+          <p:cNvPr id="4" name="슬라이드 번호 개체 틀 3">
+            <a:extLst>
+              <a:ext uri="{FF2B5EF4-FFF2-40B4-BE49-F238E27FC236}">
+                <a16:creationId xmlns:a16="http://schemas.microsoft.com/office/drawing/2014/main" id="{A9685F74-7CCD-4392-9F23-BDDFD9260614}"/>
+              </a:ext>
+            </a:extLst>
+          </p:cNvPr>
+          <p:cNvSpPr>
+            <a:spLocks noGrp="1"/>
+          </p:cNvSpPr>
+          <p:nvPr>
+            <p:ph type="sldNum" sz="quarter" idx="12"/>
+          </p:nvPr>
+        </p:nvSpPr>
+        <p:spPr/>
+        <p:txBody>
+          <a:bodyPr/>
+          <a:lstStyle/>
+          <a:p>
+            <a:fld id="{BF5D715A-C634-4DD6-8A2C-C5889D29A1BA}" type="slidenum">
+              <a:rPr lang="ko-KR" altLang="en-US" smtClean="0"/>
+              <a:t>7</a:t>
+            </a:fld>
+            <a:endParaRPr lang="ko-KR" altLang="en-US"/>
+          </a:p>
+        </p:txBody>
+      </p:sp>
     </p:spTree>
     <p:extLst>
       <p:ext uri="{BB962C8B-B14F-4D97-AF65-F5344CB8AC3E}">
@@ -14456,6 +15215,35 @@
           </a:p>
         </p:txBody>
       </p:sp>
+      <p:sp>
+        <p:nvSpPr>
+          <p:cNvPr id="5" name="슬라이드 번호 개체 틀 4">
+            <a:extLst>
+              <a:ext uri="{FF2B5EF4-FFF2-40B4-BE49-F238E27FC236}">
+                <a16:creationId xmlns:a16="http://schemas.microsoft.com/office/drawing/2014/main" id="{AFAC4C39-2317-4931-BB94-91171430BFBE}"/>
+              </a:ext>
+            </a:extLst>
+          </p:cNvPr>
+          <p:cNvSpPr>
+            <a:spLocks noGrp="1"/>
+          </p:cNvSpPr>
+          <p:nvPr>
+            <p:ph type="sldNum" sz="quarter" idx="12"/>
+          </p:nvPr>
+        </p:nvSpPr>
+        <p:spPr/>
+        <p:txBody>
+          <a:bodyPr/>
+          <a:lstStyle/>
+          <a:p>
+            <a:fld id="{BF5D715A-C634-4DD6-8A2C-C5889D29A1BA}" type="slidenum">
+              <a:rPr lang="ko-KR" altLang="en-US" smtClean="0"/>
+              <a:t>8</a:t>
+            </a:fld>
+            <a:endParaRPr lang="ko-KR" altLang="en-US"/>
+          </a:p>
+        </p:txBody>
+      </p:sp>
     </p:spTree>
     <p:extLst>
       <p:ext uri="{BB962C8B-B14F-4D97-AF65-F5344CB8AC3E}">
@@ -15099,6 +15887,35 @@
           <a:lstStyle/>
           <a:p>
             <a:pPr algn="ctr"/>
+            <a:endParaRPr lang="ko-KR" altLang="en-US"/>
+          </a:p>
+        </p:txBody>
+      </p:sp>
+      <p:sp>
+        <p:nvSpPr>
+          <p:cNvPr id="4" name="슬라이드 번호 개체 틀 3">
+            <a:extLst>
+              <a:ext uri="{FF2B5EF4-FFF2-40B4-BE49-F238E27FC236}">
+                <a16:creationId xmlns:a16="http://schemas.microsoft.com/office/drawing/2014/main" id="{5E7A7FED-D026-42BB-B614-E3D2F3361094}"/>
+              </a:ext>
+            </a:extLst>
+          </p:cNvPr>
+          <p:cNvSpPr>
+            <a:spLocks noGrp="1"/>
+          </p:cNvSpPr>
+          <p:nvPr>
+            <p:ph type="sldNum" sz="quarter" idx="12"/>
+          </p:nvPr>
+        </p:nvSpPr>
+        <p:spPr/>
+        <p:txBody>
+          <a:bodyPr/>
+          <a:lstStyle/>
+          <a:p>
+            <a:fld id="{BF5D715A-C634-4DD6-8A2C-C5889D29A1BA}" type="slidenum">
+              <a:rPr lang="ko-KR" altLang="en-US" smtClean="0"/>
+              <a:t>9</a:t>
+            </a:fld>
             <a:endParaRPr lang="ko-KR" altLang="en-US"/>
           </a:p>
         </p:txBody>
@@ -15409,4 +16226,299 @@
     </a:ext>
   </a:extLst>
 </a:theme>
+</file>
+
+<file path=ppt/theme/theme2.xml><?xml version="1.0" encoding="utf-8"?>
+<a:theme xmlns:a="http://schemas.openxmlformats.org/drawingml/2006/main" name="Office 테마">
+  <a:themeElements>
+    <a:clrScheme name="Office">
+      <a:dk1>
+        <a:sysClr val="windowText" lastClr="000000"/>
+      </a:dk1>
+      <a:lt1>
+        <a:sysClr val="window" lastClr="FFFFFF"/>
+      </a:lt1>
+      <a:dk2>
+        <a:srgbClr val="44546A"/>
+      </a:dk2>
+      <a:lt2>
+        <a:srgbClr val="E7E6E6"/>
+      </a:lt2>
+      <a:accent1>
+        <a:srgbClr val="4472C4"/>
+      </a:accent1>
+      <a:accent2>
+        <a:srgbClr val="ED7D31"/>
+      </a:accent2>
+      <a:accent3>
+        <a:srgbClr val="A5A5A5"/>
+      </a:accent3>
+      <a:accent4>
+        <a:srgbClr val="FFC000"/>
+      </a:accent4>
+      <a:accent5>
+        <a:srgbClr val="5B9BD5"/>
+      </a:accent5>
+      <a:accent6>
+        <a:srgbClr val="70AD47"/>
+      </a:accent6>
+      <a:hlink>
+        <a:srgbClr val="0563C1"/>
+      </a:hlink>
+      <a:folHlink>
+        <a:srgbClr val="954F72"/>
+      </a:folHlink>
+    </a:clrScheme>
+    <a:fontScheme name="Office">
+      <a:majorFont>
+        <a:latin typeface="맑은 고딕" panose="020F0302020204030204"/>
+        <a:ea typeface=""/>
+        <a:cs typeface=""/>
+        <a:font script="Jpan" typeface="游ゴシック Light"/>
+        <a:font script="Hang" typeface="맑은 고딕"/>
+        <a:font script="Hans" typeface="等线 Light"/>
+        <a:font script="Hant" typeface="新細明體"/>
+        <a:font script="Arab" typeface="Times New Roman"/>
+        <a:font script="Hebr" typeface="Times New Roman"/>
+        <a:font script="Thai" typeface="Angsana New"/>
+        <a:font script="Ethi" typeface="Nyala"/>
+        <a:font script="Beng" typeface="Vrinda"/>
+        <a:font script="Gujr" typeface="Shruti"/>
+        <a:font script="Khmr" typeface="MoolBoran"/>
+        <a:font script="Knda" typeface="Tunga"/>
+        <a:font script="Guru" typeface="Raavi"/>
+        <a:font script="Cans" typeface="Euphemia"/>
+        <a:font script="Cher" typeface="Plantagenet Cherokee"/>
+        <a:font script="Yiii" typeface="Microsoft Yi Baiti"/>
+        <a:font script="Tibt" typeface="Microsoft Himalaya"/>
+        <a:font script="Thaa" typeface="MV Boli"/>
+        <a:font script="Deva" typeface="Mangal"/>
+        <a:font script="Telu" typeface="Gautami"/>
+        <a:font script="Taml" typeface="Latha"/>
+        <a:font script="Syrc" typeface="Estrangelo Edessa"/>
+        <a:font script="Orya" typeface="Kalinga"/>
+        <a:font script="Mlym" typeface="Kartika"/>
+        <a:font script="Laoo" typeface="DokChampa"/>
+        <a:font script="Sinh" typeface="Iskoola Pota"/>
+        <a:font script="Mong" typeface="Mongolian Baiti"/>
+        <a:font script="Viet" typeface="Times New Roman"/>
+        <a:font script="Uigh" typeface="Microsoft Uighur"/>
+        <a:font script="Geor" typeface="Sylfaen"/>
+        <a:font script="Armn" typeface="Arial"/>
+        <a:font script="Bugi" typeface="Leelawadee UI"/>
+        <a:font script="Bopo" typeface="Microsoft JhengHei"/>
+        <a:font script="Java" typeface="Javanese Text"/>
+        <a:font script="Lisu" typeface="Segoe UI"/>
+        <a:font script="Mymr" typeface="Myanmar Text"/>
+        <a:font script="Nkoo" typeface="Ebrima"/>
+        <a:font script="Olck" typeface="Nirmala UI"/>
+        <a:font script="Osma" typeface="Ebrima"/>
+        <a:font script="Phag" typeface="Phagspa"/>
+        <a:font script="Syrn" typeface="Estrangelo Edessa"/>
+        <a:font script="Syrj" typeface="Estrangelo Edessa"/>
+        <a:font script="Syre" typeface="Estrangelo Edessa"/>
+        <a:font script="Sora" typeface="Nirmala UI"/>
+        <a:font script="Tale" typeface="Microsoft Tai Le"/>
+        <a:font script="Talu" typeface="Microsoft New Tai Lue"/>
+        <a:font script="Tfng" typeface="Ebrima"/>
+      </a:majorFont>
+      <a:minorFont>
+        <a:latin typeface="맑은 고딕" panose="020F0502020204030204"/>
+        <a:ea typeface=""/>
+        <a:cs typeface=""/>
+        <a:font script="Jpan" typeface="游ゴシック"/>
+        <a:font script="Hang" typeface="맑은 고딕"/>
+        <a:font script="Hans" typeface="等线"/>
+        <a:font script="Hant" typeface="新細明體"/>
+        <a:font script="Arab" typeface="Arial"/>
+        <a:font script="Hebr" typeface="Arial"/>
+        <a:font script="Thai" typeface="Cordia New"/>
+        <a:font script="Ethi" typeface="Nyala"/>
+        <a:font script="Beng" typeface="Vrinda"/>
+        <a:font script="Gujr" typeface="Shruti"/>
+        <a:font script="Khmr" typeface="DaunPenh"/>
+        <a:font script="Knda" typeface="Tunga"/>
+        <a:font script="Guru" typeface="Raavi"/>
+        <a:font script="Cans" typeface="Euphemia"/>
+        <a:font script="Cher" typeface="Plantagenet Cherokee"/>
+        <a:font script="Yiii" typeface="Microsoft Yi Baiti"/>
+        <a:font script="Tibt" typeface="Microsoft Himalaya"/>
+        <a:font script="Thaa" typeface="MV Boli"/>
+        <a:font script="Deva" typeface="Mangal"/>
+        <a:font script="Telu" typeface="Gautami"/>
+        <a:font script="Taml" typeface="Latha"/>
+        <a:font script="Syrc" typeface="Estrangelo Edessa"/>
+        <a:font script="Orya" typeface="Kalinga"/>
+        <a:font script="Mlym" typeface="Kartika"/>
+        <a:font script="Laoo" typeface="DokChampa"/>
+        <a:font script="Sinh" typeface="Iskoola Pota"/>
+        <a:font script="Mong" typeface="Mongolian Baiti"/>
+        <a:font script="Viet" typeface="Arial"/>
+        <a:font script="Uigh" typeface="Microsoft Uighur"/>
+        <a:font script="Geor" typeface="Sylfaen"/>
+        <a:font script="Armn" typeface="Arial"/>
+        <a:font script="Bugi" typeface="Leelawadee UI"/>
+        <a:font script="Bopo" typeface="Microsoft JhengHei"/>
+        <a:font script="Java" typeface="Javanese Text"/>
+        <a:font script="Lisu" typeface="Segoe UI"/>
+        <a:font script="Mymr" typeface="Myanmar Text"/>
+        <a:font script="Nkoo" typeface="Ebrima"/>
+        <a:font script="Olck" typeface="Nirmala UI"/>
+        <a:font script="Osma" typeface="Ebrima"/>
+        <a:font script="Phag" typeface="Phagspa"/>
+        <a:font script="Syrn" typeface="Estrangelo Edessa"/>
+        <a:font script="Syrj" typeface="Estrangelo Edessa"/>
+        <a:font script="Syre" typeface="Estrangelo Edessa"/>
+        <a:font script="Sora" typeface="Nirmala UI"/>
+        <a:font script="Tale" typeface="Microsoft Tai Le"/>
+        <a:font script="Talu" typeface="Microsoft New Tai Lue"/>
+        <a:font script="Tfng" typeface="Ebrima"/>
+      </a:minorFont>
+    </a:fontScheme>
+    <a:fmtScheme name="Office">
+      <a:fillStyleLst>
+        <a:solidFill>
+          <a:schemeClr val="phClr"/>
+        </a:solidFill>
+        <a:gradFill rotWithShape="1">
+          <a:gsLst>
+            <a:gs pos="0">
+              <a:schemeClr val="phClr">
+                <a:lumMod val="110000"/>
+                <a:satMod val="105000"/>
+                <a:tint val="67000"/>
+              </a:schemeClr>
+            </a:gs>
+            <a:gs pos="50000">
+              <a:schemeClr val="phClr">
+                <a:lumMod val="105000"/>
+                <a:satMod val="103000"/>
+                <a:tint val="73000"/>
+              </a:schemeClr>
+            </a:gs>
+            <a:gs pos="100000">
+              <a:schemeClr val="phClr">
+                <a:lumMod val="105000"/>
+                <a:satMod val="109000"/>
+                <a:tint val="81000"/>
+              </a:schemeClr>
+            </a:gs>
+          </a:gsLst>
+          <a:lin ang="5400000" scaled="0"/>
+        </a:gradFill>
+        <a:gradFill rotWithShape="1">
+          <a:gsLst>
+            <a:gs pos="0">
+              <a:schemeClr val="phClr">
+                <a:satMod val="103000"/>
+                <a:lumMod val="102000"/>
+                <a:tint val="94000"/>
+              </a:schemeClr>
+            </a:gs>
+            <a:gs pos="50000">
+              <a:schemeClr val="phClr">
+                <a:satMod val="110000"/>
+                <a:lumMod val="100000"/>
+                <a:shade val="100000"/>
+              </a:schemeClr>
+            </a:gs>
+            <a:gs pos="100000">
+              <a:schemeClr val="phClr">
+                <a:lumMod val="99000"/>
+                <a:satMod val="120000"/>
+                <a:shade val="78000"/>
+              </a:schemeClr>
+            </a:gs>
+          </a:gsLst>
+          <a:lin ang="5400000" scaled="0"/>
+        </a:gradFill>
+      </a:fillStyleLst>
+      <a:lnStyleLst>
+        <a:ln w="6350" cap="flat" cmpd="sng" algn="ctr">
+          <a:solidFill>
+            <a:schemeClr val="phClr"/>
+          </a:solidFill>
+          <a:prstDash val="solid"/>
+          <a:miter lim="800000"/>
+        </a:ln>
+        <a:ln w="12700" cap="flat" cmpd="sng" algn="ctr">
+          <a:solidFill>
+            <a:schemeClr val="phClr"/>
+          </a:solidFill>
+          <a:prstDash val="solid"/>
+          <a:miter lim="800000"/>
+        </a:ln>
+        <a:ln w="19050" cap="flat" cmpd="sng" algn="ctr">
+          <a:solidFill>
+            <a:schemeClr val="phClr"/>
+          </a:solidFill>
+          <a:prstDash val="solid"/>
+          <a:miter lim="800000"/>
+        </a:ln>
+      </a:lnStyleLst>
+      <a:effectStyleLst>
+        <a:effectStyle>
+          <a:effectLst/>
+        </a:effectStyle>
+        <a:effectStyle>
+          <a:effectLst/>
+        </a:effectStyle>
+        <a:effectStyle>
+          <a:effectLst>
+            <a:outerShdw blurRad="57150" dist="19050" dir="5400000" algn="ctr" rotWithShape="0">
+              <a:srgbClr val="000000">
+                <a:alpha val="63000"/>
+              </a:srgbClr>
+            </a:outerShdw>
+          </a:effectLst>
+        </a:effectStyle>
+      </a:effectStyleLst>
+      <a:bgFillStyleLst>
+        <a:solidFill>
+          <a:schemeClr val="phClr"/>
+        </a:solidFill>
+        <a:solidFill>
+          <a:schemeClr val="phClr">
+            <a:tint val="95000"/>
+            <a:satMod val="170000"/>
+          </a:schemeClr>
+        </a:solidFill>
+        <a:gradFill rotWithShape="1">
+          <a:gsLst>
+            <a:gs pos="0">
+              <a:schemeClr val="phClr">
+                <a:tint val="93000"/>
+                <a:satMod val="150000"/>
+                <a:shade val="98000"/>
+                <a:lumMod val="102000"/>
+              </a:schemeClr>
+            </a:gs>
+            <a:gs pos="50000">
+              <a:schemeClr val="phClr">
+                <a:tint val="98000"/>
+                <a:satMod val="130000"/>
+                <a:shade val="90000"/>
+                <a:lumMod val="103000"/>
+              </a:schemeClr>
+            </a:gs>
+            <a:gs pos="100000">
+              <a:schemeClr val="phClr">
+                <a:shade val="63000"/>
+                <a:satMod val="120000"/>
+              </a:schemeClr>
+            </a:gs>
+          </a:gsLst>
+          <a:lin ang="5400000" scaled="0"/>
+        </a:gradFill>
+      </a:bgFillStyleLst>
+    </a:fmtScheme>
+  </a:themeElements>
+  <a:objectDefaults/>
+  <a:extraClrSchemeLst/>
+  <a:extLst>
+    <a:ext uri="{05A4C25C-085E-4340-85A3-A5531E510DB2}">
+      <thm15:themeFamily xmlns:thm15="http://schemas.microsoft.com/office/thememl/2012/main" name="Office Theme" id="{62F939B6-93AF-4DB8-9C6B-D6C7DFDC589F}" vid="{4A3C46E8-61CC-4603-A589-7422A47A8E4A}"/>
+    </a:ext>
+  </a:extLst>
+</a:theme>
 </file>
--- a/paper/PPT for Project.pptx
+++ b/paper/PPT for Project.pptx
@@ -3769,7 +3769,7 @@
         </p:nvSpPr>
         <p:spPr>
           <a:xfrm>
-            <a:off x="1146838" y="935438"/>
+            <a:off x="1146838" y="944963"/>
             <a:ext cx="9898324" cy="3093154"/>
           </a:xfrm>
           <a:prstGeom prst="rect">
@@ -11559,7 +11559,7 @@
             <a:noFill/>
             <a:extLst>
               <a:ext uri="{C807C97D-BFC1-408E-A445-0C87EB9F89A2}">
-                <ask:lineSketchStyleProps xmlns:ask="http://schemas.microsoft.com/office/drawing/2018/sketchyshapes" xmlns="" sd="1219033472">
+                <ask:lineSketchStyleProps xmlns="" xmlns:ask="http://schemas.microsoft.com/office/drawing/2018/sketchyshapes" sd="1219033472">
                   <a:custGeom>
                     <a:avLst/>
                     <a:gdLst>
